--- a/Prospective Study MCI BIA.pptx
+++ b/Prospective Study MCI BIA.pptx
@@ -2796,8 +2796,18 @@
                 <a:effectLst/>
                 <a:latin typeface="fkGrotesk"/>
               </a:rPr>
-              <a:t>Longitudinal Bio-Impedance Study in cognitive status</a:t>
-            </a:r>
+              <a:t>Longitudinal Bio-Impedance Study in </a:t>
+            </a:r>
+            <a:r>
+              <a:rPr lang="en-GB" altLang="ko-KR" sz="2800" b="1">
+                <a:latin typeface="fkGrotesk"/>
+              </a:rPr>
+              <a:t>MCI progressive</a:t>
+            </a:r>
+            <a:endParaRPr lang="en-GB" altLang="ko-KR" sz="2800" b="1" i="0" dirty="0">
+              <a:effectLst/>
+              <a:latin typeface="fkGrotesk"/>
+            </a:endParaRPr>
           </a:p>
         </p:txBody>
       </p:sp>
